--- a/other/test.pptx
+++ b/other/test.pptx
@@ -9,6 +9,7 @@
     <p:sldId id="257" r:id="rId3"/>
     <p:sldId id="258" r:id="rId4"/>
     <p:sldId id="259" r:id="rId5"/>
+    <p:sldId id="260" r:id="rId6"/>
   </p:sldIdLst>
   <p:sldSz cx="12192000" cy="6858000"/>
   <p:notesSz cx="6858000" cy="9144000"/>
@@ -107,6 +108,11 @@
       </a:defRPr>
     </a:lvl9pPr>
   </p:defaultTextStyle>
+  <p:extLst>
+    <p:ext uri="{EFAFB233-063F-42B5-8137-9DF3F51BA10A}">
+      <p15:sldGuideLst xmlns:p15="http://schemas.microsoft.com/office/powerpoint/2012/main"/>
+    </p:ext>
+  </p:extLst>
 </p:presentation>
 </file>
 
@@ -257,7 +263,7 @@
           <a:p>
             <a:fld id="{E14F5E78-4666-40AC-BA8E-07A3D61EED57}" type="datetimeFigureOut">
               <a:rPr lang="zh-TW" altLang="en-US" smtClean="0"/>
-              <a:t>2025/2/24</a:t>
+              <a:t>2025/2/26</a:t>
             </a:fld>
             <a:endParaRPr lang="zh-TW" altLang="en-US"/>
           </a:p>
@@ -455,7 +461,7 @@
           <a:p>
             <a:fld id="{E14F5E78-4666-40AC-BA8E-07A3D61EED57}" type="datetimeFigureOut">
               <a:rPr lang="zh-TW" altLang="en-US" smtClean="0"/>
-              <a:t>2025/2/24</a:t>
+              <a:t>2025/2/26</a:t>
             </a:fld>
             <a:endParaRPr lang="zh-TW" altLang="en-US"/>
           </a:p>
@@ -663,7 +669,7 @@
           <a:p>
             <a:fld id="{E14F5E78-4666-40AC-BA8E-07A3D61EED57}" type="datetimeFigureOut">
               <a:rPr lang="zh-TW" altLang="en-US" smtClean="0"/>
-              <a:t>2025/2/24</a:t>
+              <a:t>2025/2/26</a:t>
             </a:fld>
             <a:endParaRPr lang="zh-TW" altLang="en-US"/>
           </a:p>
@@ -861,7 +867,7 @@
           <a:p>
             <a:fld id="{E14F5E78-4666-40AC-BA8E-07A3D61EED57}" type="datetimeFigureOut">
               <a:rPr lang="zh-TW" altLang="en-US" smtClean="0"/>
-              <a:t>2025/2/24</a:t>
+              <a:t>2025/2/26</a:t>
             </a:fld>
             <a:endParaRPr lang="zh-TW" altLang="en-US"/>
           </a:p>
@@ -1136,7 +1142,7 @@
           <a:p>
             <a:fld id="{E14F5E78-4666-40AC-BA8E-07A3D61EED57}" type="datetimeFigureOut">
               <a:rPr lang="zh-TW" altLang="en-US" smtClean="0"/>
-              <a:t>2025/2/24</a:t>
+              <a:t>2025/2/26</a:t>
             </a:fld>
             <a:endParaRPr lang="zh-TW" altLang="en-US"/>
           </a:p>
@@ -1401,7 +1407,7 @@
           <a:p>
             <a:fld id="{E14F5E78-4666-40AC-BA8E-07A3D61EED57}" type="datetimeFigureOut">
               <a:rPr lang="zh-TW" altLang="en-US" smtClean="0"/>
-              <a:t>2025/2/24</a:t>
+              <a:t>2025/2/26</a:t>
             </a:fld>
             <a:endParaRPr lang="zh-TW" altLang="en-US"/>
           </a:p>
@@ -1813,7 +1819,7 @@
           <a:p>
             <a:fld id="{E14F5E78-4666-40AC-BA8E-07A3D61EED57}" type="datetimeFigureOut">
               <a:rPr lang="zh-TW" altLang="en-US" smtClean="0"/>
-              <a:t>2025/2/24</a:t>
+              <a:t>2025/2/26</a:t>
             </a:fld>
             <a:endParaRPr lang="zh-TW" altLang="en-US"/>
           </a:p>
@@ -1954,7 +1960,7 @@
           <a:p>
             <a:fld id="{E14F5E78-4666-40AC-BA8E-07A3D61EED57}" type="datetimeFigureOut">
               <a:rPr lang="zh-TW" altLang="en-US" smtClean="0"/>
-              <a:t>2025/2/24</a:t>
+              <a:t>2025/2/26</a:t>
             </a:fld>
             <a:endParaRPr lang="zh-TW" altLang="en-US"/>
           </a:p>
@@ -2067,7 +2073,7 @@
           <a:p>
             <a:fld id="{E14F5E78-4666-40AC-BA8E-07A3D61EED57}" type="datetimeFigureOut">
               <a:rPr lang="zh-TW" altLang="en-US" smtClean="0"/>
-              <a:t>2025/2/24</a:t>
+              <a:t>2025/2/26</a:t>
             </a:fld>
             <a:endParaRPr lang="zh-TW" altLang="en-US"/>
           </a:p>
@@ -2378,7 +2384,7 @@
           <a:p>
             <a:fld id="{E14F5E78-4666-40AC-BA8E-07A3D61EED57}" type="datetimeFigureOut">
               <a:rPr lang="zh-TW" altLang="en-US" smtClean="0"/>
-              <a:t>2025/2/24</a:t>
+              <a:t>2025/2/26</a:t>
             </a:fld>
             <a:endParaRPr lang="zh-TW" altLang="en-US"/>
           </a:p>
@@ -2666,7 +2672,7 @@
           <a:p>
             <a:fld id="{E14F5E78-4666-40AC-BA8E-07A3D61EED57}" type="datetimeFigureOut">
               <a:rPr lang="zh-TW" altLang="en-US" smtClean="0"/>
-              <a:t>2025/2/24</a:t>
+              <a:t>2025/2/26</a:t>
             </a:fld>
             <a:endParaRPr lang="zh-TW" altLang="en-US"/>
           </a:p>
@@ -2907,7 +2913,7 @@
           <a:p>
             <a:fld id="{E14F5E78-4666-40AC-BA8E-07A3D61EED57}" type="datetimeFigureOut">
               <a:rPr lang="zh-TW" altLang="en-US" smtClean="0"/>
-              <a:t>2025/2/24</a:t>
+              <a:t>2025/2/26</a:t>
             </a:fld>
             <a:endParaRPr lang="zh-TW" altLang="en-US"/>
           </a:p>
@@ -9533,6 +9539,325 @@
 </p:sld>
 </file>
 
+<file path=ppt/slides/slide5.xml><?xml version="1.0" encoding="utf-8"?>
+<p:sld xmlns:a="http://schemas.openxmlformats.org/drawingml/2006/main" xmlns:r="http://schemas.openxmlformats.org/officeDocument/2006/relationships" xmlns:p="http://schemas.openxmlformats.org/presentationml/2006/main">
+  <p:cSld>
+    <p:spTree>
+      <p:nvGrpSpPr>
+        <p:cNvPr id="1" name="">
+          <a:extLst>
+            <a:ext uri="{FF2B5EF4-FFF2-40B4-BE49-F238E27FC236}">
+              <a16:creationId xmlns:a16="http://schemas.microsoft.com/office/drawing/2014/main" id="{7F20CCF0-A053-4B53-664E-A215C9CF5B25}"/>
+            </a:ext>
+          </a:extLst>
+        </p:cNvPr>
+        <p:cNvGrpSpPr/>
+        <p:nvPr/>
+      </p:nvGrpSpPr>
+      <p:grpSpPr>
+        <a:xfrm>
+          <a:off x="0" y="0"/>
+          <a:ext cx="0" cy="0"/>
+          <a:chOff x="0" y="0"/>
+          <a:chExt cx="0" cy="0"/>
+        </a:xfrm>
+      </p:grpSpPr>
+      <p:sp>
+        <p:nvSpPr>
+          <p:cNvPr id="2" name="矩形 1">
+            <a:extLst>
+              <a:ext uri="{FF2B5EF4-FFF2-40B4-BE49-F238E27FC236}">
+                <a16:creationId xmlns:a16="http://schemas.microsoft.com/office/drawing/2014/main" id="{0821B444-95CD-0508-881D-FFDB75744FB2}"/>
+              </a:ext>
+            </a:extLst>
+          </p:cNvPr>
+          <p:cNvSpPr/>
+          <p:nvPr/>
+        </p:nvSpPr>
+        <p:spPr>
+          <a:xfrm>
+            <a:off x="1504334" y="2079523"/>
+            <a:ext cx="9514647" cy="1769806"/>
+          </a:xfrm>
+          <a:prstGeom prst="rect">
+            <a:avLst/>
+          </a:prstGeom>
+          <a:noFill/>
+        </p:spPr>
+        <p:style>
+          <a:lnRef idx="2">
+            <a:schemeClr val="accent1">
+              <a:shade val="15000"/>
+            </a:schemeClr>
+          </a:lnRef>
+          <a:fillRef idx="1">
+            <a:schemeClr val="accent1"/>
+          </a:fillRef>
+          <a:effectRef idx="0">
+            <a:schemeClr val="accent1"/>
+          </a:effectRef>
+          <a:fontRef idx="minor">
+            <a:schemeClr val="lt1"/>
+          </a:fontRef>
+        </p:style>
+        <p:txBody>
+          <a:bodyPr rtlCol="0" anchor="ctr"/>
+          <a:lstStyle/>
+          <a:p>
+            <a:pPr algn="ctr"/>
+            <a:endParaRPr lang="zh-TW" altLang="en-US"/>
+          </a:p>
+        </p:txBody>
+      </p:sp>
+      <p:sp>
+        <p:nvSpPr>
+          <p:cNvPr id="10" name="矩形: 圓角 9">
+            <a:extLst>
+              <a:ext uri="{FF2B5EF4-FFF2-40B4-BE49-F238E27FC236}">
+                <a16:creationId xmlns:a16="http://schemas.microsoft.com/office/drawing/2014/main" id="{98CF8857-C24E-7B23-DE14-6DCFDBA21088}"/>
+              </a:ext>
+            </a:extLst>
+          </p:cNvPr>
+          <p:cNvSpPr/>
+          <p:nvPr/>
+        </p:nvSpPr>
+        <p:spPr>
+          <a:xfrm>
+            <a:off x="6958164" y="2692400"/>
+            <a:ext cx="1587388" cy="618836"/>
+          </a:xfrm>
+          <a:prstGeom prst="roundRect">
+            <a:avLst/>
+          </a:prstGeom>
+        </p:spPr>
+        <p:style>
+          <a:lnRef idx="2">
+            <a:schemeClr val="accent1">
+              <a:shade val="15000"/>
+            </a:schemeClr>
+          </a:lnRef>
+          <a:fillRef idx="1">
+            <a:schemeClr val="accent1"/>
+          </a:fillRef>
+          <a:effectRef idx="0">
+            <a:schemeClr val="accent1"/>
+          </a:effectRef>
+          <a:fontRef idx="minor">
+            <a:schemeClr val="lt1"/>
+          </a:fontRef>
+        </p:style>
+        <p:txBody>
+          <a:bodyPr rtlCol="0" anchor="ctr"/>
+          <a:lstStyle/>
+          <a:p>
+            <a:pPr algn="ctr"/>
+            <a:r>
+              <a:rPr lang="en-US" altLang="zh-TW" sz="1200" dirty="0"/>
+              <a:t>By First Season Year</a:t>
+            </a:r>
+            <a:endParaRPr lang="zh-TW" altLang="en-US" sz="1200" dirty="0"/>
+          </a:p>
+        </p:txBody>
+      </p:sp>
+      <p:sp>
+        <p:nvSpPr>
+          <p:cNvPr id="11" name="文字方塊 10">
+            <a:extLst>
+              <a:ext uri="{FF2B5EF4-FFF2-40B4-BE49-F238E27FC236}">
+                <a16:creationId xmlns:a16="http://schemas.microsoft.com/office/drawing/2014/main" id="{E1D2669B-B5BE-6069-DF86-2CE7656C6167}"/>
+              </a:ext>
+            </a:extLst>
+          </p:cNvPr>
+          <p:cNvSpPr txBox="1"/>
+          <p:nvPr/>
+        </p:nvSpPr>
+        <p:spPr>
+          <a:xfrm>
+            <a:off x="1926289" y="2779760"/>
+            <a:ext cx="631904" cy="369332"/>
+          </a:xfrm>
+          <a:prstGeom prst="rect">
+            <a:avLst/>
+          </a:prstGeom>
+          <a:noFill/>
+        </p:spPr>
+        <p:txBody>
+          <a:bodyPr wrap="none" rtlCol="0">
+            <a:spAutoFit/>
+          </a:bodyPr>
+          <a:lstStyle/>
+          <a:p>
+            <a:r>
+              <a:rPr lang="en-US" altLang="zh-TW" dirty="0"/>
+              <a:t>Sort:</a:t>
+            </a:r>
+            <a:endParaRPr lang="zh-TW" altLang="en-US" dirty="0"/>
+          </a:p>
+        </p:txBody>
+      </p:sp>
+      <p:sp>
+        <p:nvSpPr>
+          <p:cNvPr id="12" name="矩形: 圓角 11">
+            <a:extLst>
+              <a:ext uri="{FF2B5EF4-FFF2-40B4-BE49-F238E27FC236}">
+                <a16:creationId xmlns:a16="http://schemas.microsoft.com/office/drawing/2014/main" id="{2E953D58-6505-6374-2B65-5C1AB89D28AC}"/>
+              </a:ext>
+            </a:extLst>
+          </p:cNvPr>
+          <p:cNvSpPr/>
+          <p:nvPr/>
+        </p:nvSpPr>
+        <p:spPr>
+          <a:xfrm>
+            <a:off x="2985064" y="2692400"/>
+            <a:ext cx="1587388" cy="618836"/>
+          </a:xfrm>
+          <a:prstGeom prst="roundRect">
+            <a:avLst/>
+          </a:prstGeom>
+        </p:spPr>
+        <p:style>
+          <a:lnRef idx="2">
+            <a:schemeClr val="accent1">
+              <a:shade val="15000"/>
+            </a:schemeClr>
+          </a:lnRef>
+          <a:fillRef idx="1">
+            <a:schemeClr val="accent1"/>
+          </a:fillRef>
+          <a:effectRef idx="0">
+            <a:schemeClr val="accent1"/>
+          </a:effectRef>
+          <a:fontRef idx="minor">
+            <a:schemeClr val="lt1"/>
+          </a:fontRef>
+        </p:style>
+        <p:txBody>
+          <a:bodyPr rtlCol="0" anchor="ctr"/>
+          <a:lstStyle/>
+          <a:p>
+            <a:pPr algn="ctr"/>
+            <a:r>
+              <a:rPr lang="en-US" altLang="zh-TW" sz="1200" dirty="0"/>
+              <a:t>Default</a:t>
+            </a:r>
+            <a:endParaRPr lang="zh-TW" altLang="en-US" sz="1200" dirty="0"/>
+          </a:p>
+        </p:txBody>
+      </p:sp>
+      <p:sp>
+        <p:nvSpPr>
+          <p:cNvPr id="13" name="矩形: 圓角 12">
+            <a:extLst>
+              <a:ext uri="{FF2B5EF4-FFF2-40B4-BE49-F238E27FC236}">
+                <a16:creationId xmlns:a16="http://schemas.microsoft.com/office/drawing/2014/main" id="{A033ACB0-DA8B-6E26-EDD1-8CAC532D3DE7}"/>
+              </a:ext>
+            </a:extLst>
+          </p:cNvPr>
+          <p:cNvSpPr/>
+          <p:nvPr/>
+        </p:nvSpPr>
+        <p:spPr>
+          <a:xfrm>
+            <a:off x="4971614" y="2692400"/>
+            <a:ext cx="1587388" cy="618836"/>
+          </a:xfrm>
+          <a:prstGeom prst="roundRect">
+            <a:avLst/>
+          </a:prstGeom>
+        </p:spPr>
+        <p:style>
+          <a:lnRef idx="2">
+            <a:schemeClr val="accent1">
+              <a:shade val="15000"/>
+            </a:schemeClr>
+          </a:lnRef>
+          <a:fillRef idx="1">
+            <a:schemeClr val="accent1"/>
+          </a:fillRef>
+          <a:effectRef idx="0">
+            <a:schemeClr val="accent1"/>
+          </a:effectRef>
+          <a:fontRef idx="minor">
+            <a:schemeClr val="lt1"/>
+          </a:fontRef>
+        </p:style>
+        <p:txBody>
+          <a:bodyPr rtlCol="0" anchor="ctr"/>
+          <a:lstStyle/>
+          <a:p>
+            <a:pPr algn="ctr"/>
+            <a:r>
+              <a:rPr lang="en-US" altLang="zh-TW" sz="1200" dirty="0"/>
+              <a:t>By Total Rate</a:t>
+            </a:r>
+            <a:endParaRPr lang="zh-TW" altLang="en-US" sz="1200" dirty="0"/>
+          </a:p>
+        </p:txBody>
+      </p:sp>
+      <p:sp>
+        <p:nvSpPr>
+          <p:cNvPr id="28" name="矩形: 圓角 27">
+            <a:extLst>
+              <a:ext uri="{FF2B5EF4-FFF2-40B4-BE49-F238E27FC236}">
+                <a16:creationId xmlns:a16="http://schemas.microsoft.com/office/drawing/2014/main" id="{1E0C2246-DF2E-0F21-32BE-E4488F008290}"/>
+              </a:ext>
+            </a:extLst>
+          </p:cNvPr>
+          <p:cNvSpPr/>
+          <p:nvPr/>
+        </p:nvSpPr>
+        <p:spPr>
+          <a:xfrm>
+            <a:off x="8942561" y="2692400"/>
+            <a:ext cx="1587388" cy="618836"/>
+          </a:xfrm>
+          <a:prstGeom prst="roundRect">
+            <a:avLst/>
+          </a:prstGeom>
+        </p:spPr>
+        <p:style>
+          <a:lnRef idx="2">
+            <a:schemeClr val="accent1">
+              <a:shade val="15000"/>
+            </a:schemeClr>
+          </a:lnRef>
+          <a:fillRef idx="1">
+            <a:schemeClr val="accent1"/>
+          </a:fillRef>
+          <a:effectRef idx="0">
+            <a:schemeClr val="accent1"/>
+          </a:effectRef>
+          <a:fontRef idx="minor">
+            <a:schemeClr val="lt1"/>
+          </a:fontRef>
+        </p:style>
+        <p:txBody>
+          <a:bodyPr rtlCol="0" anchor="ctr"/>
+          <a:lstStyle/>
+          <a:p>
+            <a:pPr algn="ctr"/>
+            <a:r>
+              <a:rPr lang="en-US" altLang="zh-TW" sz="1200" dirty="0"/>
+              <a:t>By Last Season Year</a:t>
+            </a:r>
+            <a:endParaRPr lang="zh-TW" altLang="en-US" sz="1200" dirty="0"/>
+          </a:p>
+        </p:txBody>
+      </p:sp>
+    </p:spTree>
+    <p:extLst>
+      <p:ext uri="{BB962C8B-B14F-4D97-AF65-F5344CB8AC3E}">
+        <p14:creationId xmlns:p14="http://schemas.microsoft.com/office/powerpoint/2010/main" val="3167251842"/>
+      </p:ext>
+    </p:extLst>
+  </p:cSld>
+  <p:clrMapOvr>
+    <a:masterClrMapping/>
+  </p:clrMapOvr>
+</p:sld>
+</file>
+
 <file path=ppt/theme/theme1.xml><?xml version="1.0" encoding="utf-8"?>
 <a:theme xmlns:a="http://schemas.openxmlformats.org/drawingml/2006/main" name="Office 佈景主題">
   <a:themeElements>
